--- a/7_Graph2.pptx
+++ b/7_Graph2.pptx
@@ -5783,6 +5783,10 @@
           <a:bodyPr/>
           <a:lstStyle/>
           <a:p>
+            <a:r>
+              <a:rPr lang="en-GB" altLang="zh-TW"/>
+              <a:t>https://github.com/kwea123/cpp_data_algo/tree/master/Graph2_HW</a:t>
+            </a:r>
             <a:endParaRPr lang="zh-TW" altLang="en-US"/>
           </a:p>
         </p:txBody>

--- a/7_Graph2.pptx
+++ b/7_Graph2.pptx
@@ -132,10 +132,6 @@
 </p:presentation>
 </file>
 
-<file path=ppt/revisionInfo.xml><?xml version="1.0" encoding="utf-8"?>
-<p1510:revInfo xmlns:a="http://schemas.openxmlformats.org/drawingml/2006/main" xmlns:r="http://schemas.openxmlformats.org/officeDocument/2006/relationships" xmlns:p1510="http://schemas.microsoft.com/office/powerpoint/2015/10/main"/>
-</file>
-
 <file path=ppt/slideLayouts/slideLayout1.xml><?xml version="1.0" encoding="utf-8"?>
 <p:sldLayout xmlns:a="http://schemas.openxmlformats.org/drawingml/2006/main" xmlns:r="http://schemas.openxmlformats.org/officeDocument/2006/relationships" xmlns:p="http://schemas.openxmlformats.org/presentationml/2006/main" type="title" preserve="1">
   <p:cSld name="Title Slide">
@@ -285,7 +281,7 @@
           <a:p>
             <a:fld id="{B8B1DED7-3AFF-454B-A931-8CA9F1F24B13}" type="datetimeFigureOut">
               <a:rPr lang="zh-TW" altLang="en-US" smtClean="0"/>
-              <a:t>2018/1/7</a:t>
+              <a:t>2018/2/21</a:t>
             </a:fld>
             <a:endParaRPr lang="zh-TW" altLang="en-US"/>
           </a:p>
@@ -485,7 +481,7 @@
           <a:p>
             <a:fld id="{B8B1DED7-3AFF-454B-A931-8CA9F1F24B13}" type="datetimeFigureOut">
               <a:rPr lang="zh-TW" altLang="en-US" smtClean="0"/>
-              <a:t>2018/1/7</a:t>
+              <a:t>2018/2/21</a:t>
             </a:fld>
             <a:endParaRPr lang="zh-TW" altLang="en-US"/>
           </a:p>
@@ -695,7 +691,7 @@
           <a:p>
             <a:fld id="{B8B1DED7-3AFF-454B-A931-8CA9F1F24B13}" type="datetimeFigureOut">
               <a:rPr lang="zh-TW" altLang="en-US" smtClean="0"/>
-              <a:t>2018/1/7</a:t>
+              <a:t>2018/2/21</a:t>
             </a:fld>
             <a:endParaRPr lang="zh-TW" altLang="en-US"/>
           </a:p>
@@ -895,7 +891,7 @@
           <a:p>
             <a:fld id="{B8B1DED7-3AFF-454B-A931-8CA9F1F24B13}" type="datetimeFigureOut">
               <a:rPr lang="zh-TW" altLang="en-US" smtClean="0"/>
-              <a:t>2018/1/7</a:t>
+              <a:t>2018/2/21</a:t>
             </a:fld>
             <a:endParaRPr lang="zh-TW" altLang="en-US"/>
           </a:p>
@@ -1171,7 +1167,7 @@
           <a:p>
             <a:fld id="{B8B1DED7-3AFF-454B-A931-8CA9F1F24B13}" type="datetimeFigureOut">
               <a:rPr lang="zh-TW" altLang="en-US" smtClean="0"/>
-              <a:t>2018/1/7</a:t>
+              <a:t>2018/2/21</a:t>
             </a:fld>
             <a:endParaRPr lang="zh-TW" altLang="en-US"/>
           </a:p>
@@ -1439,7 +1435,7 @@
           <a:p>
             <a:fld id="{B8B1DED7-3AFF-454B-A931-8CA9F1F24B13}" type="datetimeFigureOut">
               <a:rPr lang="zh-TW" altLang="en-US" smtClean="0"/>
-              <a:t>2018/1/7</a:t>
+              <a:t>2018/2/21</a:t>
             </a:fld>
             <a:endParaRPr lang="zh-TW" altLang="en-US"/>
           </a:p>
@@ -1854,7 +1850,7 @@
           <a:p>
             <a:fld id="{B8B1DED7-3AFF-454B-A931-8CA9F1F24B13}" type="datetimeFigureOut">
               <a:rPr lang="zh-TW" altLang="en-US" smtClean="0"/>
-              <a:t>2018/1/7</a:t>
+              <a:t>2018/2/21</a:t>
             </a:fld>
             <a:endParaRPr lang="zh-TW" altLang="en-US"/>
           </a:p>
@@ -1996,7 +1992,7 @@
           <a:p>
             <a:fld id="{B8B1DED7-3AFF-454B-A931-8CA9F1F24B13}" type="datetimeFigureOut">
               <a:rPr lang="zh-TW" altLang="en-US" smtClean="0"/>
-              <a:t>2018/1/7</a:t>
+              <a:t>2018/2/21</a:t>
             </a:fld>
             <a:endParaRPr lang="zh-TW" altLang="en-US"/>
           </a:p>
@@ -2109,7 +2105,7 @@
           <a:p>
             <a:fld id="{B8B1DED7-3AFF-454B-A931-8CA9F1F24B13}" type="datetimeFigureOut">
               <a:rPr lang="zh-TW" altLang="en-US" smtClean="0"/>
-              <a:t>2018/1/7</a:t>
+              <a:t>2018/2/21</a:t>
             </a:fld>
             <a:endParaRPr lang="zh-TW" altLang="en-US"/>
           </a:p>
@@ -2422,7 +2418,7 @@
           <a:p>
             <a:fld id="{B8B1DED7-3AFF-454B-A931-8CA9F1F24B13}" type="datetimeFigureOut">
               <a:rPr lang="zh-TW" altLang="en-US" smtClean="0"/>
-              <a:t>2018/1/7</a:t>
+              <a:t>2018/2/21</a:t>
             </a:fld>
             <a:endParaRPr lang="zh-TW" altLang="en-US"/>
           </a:p>
@@ -2711,7 +2707,7 @@
           <a:p>
             <a:fld id="{B8B1DED7-3AFF-454B-A931-8CA9F1F24B13}" type="datetimeFigureOut">
               <a:rPr lang="zh-TW" altLang="en-US" smtClean="0"/>
-              <a:t>2018/1/7</a:t>
+              <a:t>2018/2/21</a:t>
             </a:fld>
             <a:endParaRPr lang="zh-TW" altLang="en-US"/>
           </a:p>
@@ -2954,7 +2950,7 @@
           <a:p>
             <a:fld id="{B8B1DED7-3AFF-454B-A931-8CA9F1F24B13}" type="datetimeFigureOut">
               <a:rPr lang="zh-TW" altLang="en-US" smtClean="0"/>
-              <a:t>2018/1/7</a:t>
+              <a:t>2018/2/21</a:t>
             </a:fld>
             <a:endParaRPr lang="zh-TW" altLang="en-US"/>
           </a:p>
@@ -5524,7 +5520,11 @@
           <a:p>
             <a:r>
               <a:rPr lang="en-GB" altLang="zh-TW" dirty="0"/>
-              <a:t>Every edge (u, v) has now a cost d</a:t>
+              <a:t>Every edge (u, v) has now a </a:t>
+            </a:r>
+            <a:r>
+              <a:rPr lang="en-GB" altLang="zh-TW"/>
+              <a:t>cost d&gt;0</a:t>
             </a:r>
             <a:endParaRPr lang="zh-TW" altLang="en-US" dirty="0"/>
           </a:p>
